--- a/Later/Spring/14_Spring_Object_XML_Mapping/5/Spring and JAXB Integration (Marshalling Java Object into XML).pptx
+++ b/Later/Spring/14_Spring_Object_XML_Mapping/5/Spring and JAXB Integration (Marshalling Java Object into XML).pptx
@@ -196,7 +196,7 @@
           <a:p>
             <a:fld id="{62274EC6-3890-417B-9308-14EFBD00FA63}" type="datetimeFigureOut">
               <a:rPr lang="en-US" smtClean="0"/>
-              <a:t>11/8/2018</a:t>
+              <a:t>11/9/2018</a:t>
             </a:fld>
             <a:endParaRPr lang="en-US" dirty="0"/>
           </a:p>
@@ -1091,7 +1091,7 @@
             <a:fld id="{1D8BD707-D9CF-40AE-B4C6-C98DA3205C09}" type="datetimeFigureOut">
               <a:rPr lang="en-US" smtClean="0"/>
               <a:pPr/>
-              <a:t>11/8/2018</a:t>
+              <a:t>11/9/2018</a:t>
             </a:fld>
             <a:endParaRPr lang="en-US" dirty="0"/>
           </a:p>
@@ -1263,7 +1263,7 @@
             <a:fld id="{1D8BD707-D9CF-40AE-B4C6-C98DA3205C09}" type="datetimeFigureOut">
               <a:rPr lang="en-US" smtClean="0"/>
               <a:pPr/>
-              <a:t>11/8/2018</a:t>
+              <a:t>11/9/2018</a:t>
             </a:fld>
             <a:endParaRPr lang="en-US" dirty="0"/>
           </a:p>
@@ -1445,7 +1445,7 @@
             <a:fld id="{1D8BD707-D9CF-40AE-B4C6-C98DA3205C09}" type="datetimeFigureOut">
               <a:rPr lang="en-US" smtClean="0"/>
               <a:pPr/>
-              <a:t>11/8/2018</a:t>
+              <a:t>11/9/2018</a:t>
             </a:fld>
             <a:endParaRPr lang="en-US" dirty="0"/>
           </a:p>
@@ -1617,7 +1617,7 @@
             <a:fld id="{1D8BD707-D9CF-40AE-B4C6-C98DA3205C09}" type="datetimeFigureOut">
               <a:rPr lang="en-US" smtClean="0"/>
               <a:pPr/>
-              <a:t>11/8/2018</a:t>
+              <a:t>11/9/2018</a:t>
             </a:fld>
             <a:endParaRPr lang="en-US" dirty="0"/>
           </a:p>
@@ -1865,7 +1865,7 @@
             <a:fld id="{1D8BD707-D9CF-40AE-B4C6-C98DA3205C09}" type="datetimeFigureOut">
               <a:rPr lang="en-US" smtClean="0"/>
               <a:pPr/>
-              <a:t>11/8/2018</a:t>
+              <a:t>11/9/2018</a:t>
             </a:fld>
             <a:endParaRPr lang="en-US" dirty="0"/>
           </a:p>
@@ -2155,7 +2155,7 @@
             <a:fld id="{1D8BD707-D9CF-40AE-B4C6-C98DA3205C09}" type="datetimeFigureOut">
               <a:rPr lang="en-US" smtClean="0"/>
               <a:pPr/>
-              <a:t>11/8/2018</a:t>
+              <a:t>11/9/2018</a:t>
             </a:fld>
             <a:endParaRPr lang="en-US" dirty="0"/>
           </a:p>
@@ -2584,7 +2584,7 @@
             <a:fld id="{1D8BD707-D9CF-40AE-B4C6-C98DA3205C09}" type="datetimeFigureOut">
               <a:rPr lang="en-US" smtClean="0"/>
               <a:pPr/>
-              <a:t>11/8/2018</a:t>
+              <a:t>11/9/2018</a:t>
             </a:fld>
             <a:endParaRPr lang="en-US" dirty="0"/>
           </a:p>
@@ -2704,7 +2704,7 @@
             <a:fld id="{1D8BD707-D9CF-40AE-B4C6-C98DA3205C09}" type="datetimeFigureOut">
               <a:rPr lang="en-US" smtClean="0"/>
               <a:pPr/>
-              <a:t>11/8/2018</a:t>
+              <a:t>11/9/2018</a:t>
             </a:fld>
             <a:endParaRPr lang="en-US" dirty="0"/>
           </a:p>
@@ -2801,7 +2801,7 @@
             <a:fld id="{1D8BD707-D9CF-40AE-B4C6-C98DA3205C09}" type="datetimeFigureOut">
               <a:rPr lang="en-US" smtClean="0"/>
               <a:pPr/>
-              <a:t>11/8/2018</a:t>
+              <a:t>11/9/2018</a:t>
             </a:fld>
             <a:endParaRPr lang="en-US" dirty="0"/>
           </a:p>
@@ -3080,7 +3080,7 @@
             <a:fld id="{1D8BD707-D9CF-40AE-B4C6-C98DA3205C09}" type="datetimeFigureOut">
               <a:rPr lang="en-US" smtClean="0"/>
               <a:pPr/>
-              <a:t>11/8/2018</a:t>
+              <a:t>11/9/2018</a:t>
             </a:fld>
             <a:endParaRPr lang="en-US" dirty="0"/>
           </a:p>
@@ -3335,7 +3335,7 @@
             <a:fld id="{1D8BD707-D9CF-40AE-B4C6-C98DA3205C09}" type="datetimeFigureOut">
               <a:rPr lang="en-US" smtClean="0"/>
               <a:pPr/>
-              <a:t>11/8/2018</a:t>
+              <a:t>11/9/2018</a:t>
             </a:fld>
             <a:endParaRPr lang="en-US" dirty="0"/>
           </a:p>
@@ -3550,7 +3550,7 @@
             <a:fld id="{1D8BD707-D9CF-40AE-B4C6-C98DA3205C09}" type="datetimeFigureOut">
               <a:rPr lang="en-US" smtClean="0"/>
               <a:pPr/>
-              <a:t>11/8/2018</a:t>
+              <a:t>11/9/2018</a:t>
             </a:fld>
             <a:endParaRPr lang="en-US" dirty="0"/>
           </a:p>
@@ -4270,6 +4270,40 @@
           </a:p>
         </p:txBody>
       </p:sp>
+      <p:sp>
+        <p:nvSpPr>
+          <p:cNvPr id="5" name="TextBox 4"/>
+          <p:cNvSpPr txBox="1"/>
+          <p:nvPr/>
+        </p:nvSpPr>
+        <p:spPr>
+          <a:xfrm>
+            <a:off x="4421188" y="914400"/>
+            <a:ext cx="1661865" cy="369332"/>
+          </a:xfrm>
+          <a:prstGeom prst="rect">
+            <a:avLst/>
+          </a:prstGeom>
+          <a:noFill/>
+        </p:spPr>
+        <p:txBody>
+          <a:bodyPr wrap="none" rtlCol="0">
+            <a:spAutoFit/>
+          </a:bodyPr>
+          <a:lstStyle/>
+          <a:p>
+            <a:r>
+              <a:rPr lang="en-US" dirty="0" smtClean="0"/>
+              <a:t>Add </a:t>
+            </a:r>
+            <a:r>
+              <a:rPr lang="en-US" smtClean="0"/>
+              <a:t>unmarshell</a:t>
+            </a:r>
+            <a:endParaRPr lang="en-US"/>
+          </a:p>
+        </p:txBody>
+      </p:sp>
     </p:spTree>
     <p:extLst>
       <p:ext uri="{BB962C8B-B14F-4D97-AF65-F5344CB8AC3E}">
@@ -5524,7 +5558,6 @@
               <a:rPr lang="en-US" sz="1200" dirty="0"/>
               <a:t> framework.</a:t>
             </a:r>
-            <a:endParaRPr lang="en-US" sz="1200" dirty="0"/>
           </a:p>
         </p:txBody>
       </p:sp>
